--- a/assets/public/Documents/Class Trial/Documents/Class Trial - Specifications.pptx
+++ b/assets/public/Documents/Class Trial/Documents/Class Trial - Specifications.pptx
@@ -5,10 +5,10 @@
     <p:sldMasterId id="2147485811" r:id="rId1"/>
   </p:sldMasterIdLst>
   <p:notesMasterIdLst>
-    <p:notesMasterId r:id="rId38"/>
+    <p:notesMasterId r:id="rId37"/>
   </p:notesMasterIdLst>
   <p:handoutMasterIdLst>
-    <p:handoutMasterId r:id="rId39"/>
+    <p:handoutMasterId r:id="rId38"/>
   </p:handoutMasterIdLst>
   <p:sldIdLst>
     <p:sldId id="3254" r:id="rId2"/>
@@ -46,7 +46,6 @@
     <p:sldId id="3280" r:id="rId34"/>
     <p:sldId id="3279" r:id="rId35"/>
     <p:sldId id="2150" r:id="rId36"/>
-    <p:sldId id="3225" r:id="rId37"/>
   </p:sldIdLst>
   <p:sldSz cx="9144000" cy="6858000" type="screen4x3"/>
   <p:notesSz cx="7053263" cy="9309100"/>
@@ -702,7 +701,7 @@
           </a:ln>
           <a:extLst>
             <a:ext uri="{909E8E84-426E-40dd-AFC4-6F175D3DCCD1}">
-              <a14:hiddenFill xmlns:a14="http://schemas.microsoft.com/office/drawing/2010/main" xmlns="">
+              <a14:hiddenFill xmlns="" xmlns:a14="http://schemas.microsoft.com/office/drawing/2010/main">
                 <a:solidFill>
                   <a:srgbClr val="FFFFFF"/>
                 </a:solidFill>
@@ -1055,14 +1054,14 @@
         <p:spPr>
           <a:extLst>
             <a:ext uri="{909E8E84-426E-40dd-AFC4-6F175D3DCCD1}">
-              <a14:hiddenFill xmlns="" xmlns:a14="http://schemas.microsoft.com/office/drawing/2010/main">
+              <a14:hiddenFill xmlns:a14="http://schemas.microsoft.com/office/drawing/2010/main" xmlns="">
                 <a:solidFill>
                   <a:srgbClr val="FFFFFF"/>
                 </a:solidFill>
               </a14:hiddenFill>
             </a:ext>
             <a:ext uri="{91240B29-F687-4f45-9708-019B960494DF}">
-              <a14:hiddenLine xmlns="" xmlns:a14="http://schemas.microsoft.com/office/drawing/2010/main" w="9525" algn="ctr">
+              <a14:hiddenLine xmlns:a14="http://schemas.microsoft.com/office/drawing/2010/main" xmlns="" w="9525" algn="ctr">
                 <a:solidFill>
                   <a:srgbClr val="000000"/>
                 </a:solidFill>
@@ -1205,14 +1204,14 @@
         <p:spPr>
           <a:extLst>
             <a:ext uri="{909E8E84-426E-40dd-AFC4-6F175D3DCCD1}">
-              <a14:hiddenFill xmlns="" xmlns:a14="http://schemas.microsoft.com/office/drawing/2010/main">
+              <a14:hiddenFill xmlns:a14="http://schemas.microsoft.com/office/drawing/2010/main" xmlns="">
                 <a:solidFill>
                   <a:srgbClr val="FFFFFF"/>
                 </a:solidFill>
               </a14:hiddenFill>
             </a:ext>
             <a:ext uri="{91240B29-F687-4f45-9708-019B960494DF}">
-              <a14:hiddenLine xmlns="" xmlns:a14="http://schemas.microsoft.com/office/drawing/2010/main" w="9525" algn="ctr">
+              <a14:hiddenLine xmlns:a14="http://schemas.microsoft.com/office/drawing/2010/main" xmlns="" w="9525" algn="ctr">
                 <a:solidFill>
                   <a:srgbClr val="000000"/>
                 </a:solidFill>
@@ -1362,14 +1361,14 @@
           </a:ln>
           <a:extLst>
             <a:ext uri="{909E8E84-426E-40dd-AFC4-6F175D3DCCD1}">
-              <a14:hiddenFill xmlns="" xmlns:a14="http://schemas.microsoft.com/office/drawing/2010/main">
+              <a14:hiddenFill xmlns:a14="http://schemas.microsoft.com/office/drawing/2010/main" xmlns="">
                 <a:solidFill>
                   <a:srgbClr val="FFFFFF"/>
                 </a:solidFill>
               </a14:hiddenFill>
             </a:ext>
             <a:ext uri="{91240B29-F687-4f45-9708-019B960494DF}">
-              <a14:hiddenLine xmlns="" xmlns:a14="http://schemas.microsoft.com/office/drawing/2010/main" w="9525" algn="ctr">
+              <a14:hiddenLine xmlns:a14="http://schemas.microsoft.com/office/drawing/2010/main" xmlns="" w="9525" algn="ctr">
                 <a:solidFill>
                   <a:srgbClr val="000000"/>
                 </a:solidFill>
@@ -1536,14 +1535,14 @@
           <a:ln/>
           <a:extLst>
             <a:ext uri="{909E8E84-426E-40dd-AFC4-6F175D3DCCD1}">
-              <a14:hiddenFill xmlns="" xmlns:a14="http://schemas.microsoft.com/office/drawing/2010/main">
+              <a14:hiddenFill xmlns:a14="http://schemas.microsoft.com/office/drawing/2010/main" xmlns="">
                 <a:solidFill>
                   <a:srgbClr val="FFFFFF"/>
                 </a:solidFill>
               </a14:hiddenFill>
             </a:ext>
             <a:ext uri="{91240B29-F687-4f45-9708-019B960494DF}">
-              <a14:hiddenLine xmlns="" xmlns:a14="http://schemas.microsoft.com/office/drawing/2010/main" w="9525" algn="ctr">
+              <a14:hiddenLine xmlns:a14="http://schemas.microsoft.com/office/drawing/2010/main" xmlns="" w="9525" algn="ctr">
                 <a:solidFill>
                   <a:srgbClr val="000000"/>
                 </a:solidFill>
@@ -2826,14 +2825,14 @@
         <p:spPr>
           <a:extLst>
             <a:ext uri="{909E8E84-426E-40dd-AFC4-6F175D3DCCD1}">
-              <a14:hiddenFill xmlns:a14="http://schemas.microsoft.com/office/drawing/2010/main" xmlns="">
+              <a14:hiddenFill xmlns="" xmlns:a14="http://schemas.microsoft.com/office/drawing/2010/main">
                 <a:solidFill>
                   <a:srgbClr val="FFFFFF"/>
                 </a:solidFill>
               </a14:hiddenFill>
             </a:ext>
             <a:ext uri="{91240B29-F687-4f45-9708-019B960494DF}">
-              <a14:hiddenLine xmlns:a14="http://schemas.microsoft.com/office/drawing/2010/main" xmlns="" w="9525" algn="ctr">
+              <a14:hiddenLine xmlns="" xmlns:a14="http://schemas.microsoft.com/office/drawing/2010/main" w="9525" algn="ctr">
                 <a:solidFill>
                   <a:srgbClr val="000000"/>
                 </a:solidFill>
@@ -2976,14 +2975,14 @@
         <p:spPr>
           <a:extLst>
             <a:ext uri="{909E8E84-426E-40dd-AFC4-6F175D3DCCD1}">
-              <a14:hiddenFill xmlns:a14="http://schemas.microsoft.com/office/drawing/2010/main" xmlns="">
+              <a14:hiddenFill xmlns="" xmlns:a14="http://schemas.microsoft.com/office/drawing/2010/main">
                 <a:solidFill>
                   <a:srgbClr val="FFFFFF"/>
                 </a:solidFill>
               </a14:hiddenFill>
             </a:ext>
             <a:ext uri="{91240B29-F687-4f45-9708-019B960494DF}">
-              <a14:hiddenLine xmlns:a14="http://schemas.microsoft.com/office/drawing/2010/main" xmlns="" w="9525" algn="ctr">
+              <a14:hiddenLine xmlns="" xmlns:a14="http://schemas.microsoft.com/office/drawing/2010/main" w="9525" algn="ctr">
                 <a:solidFill>
                   <a:srgbClr val="000000"/>
                 </a:solidFill>
@@ -3133,14 +3132,14 @@
           </a:ln>
           <a:extLst>
             <a:ext uri="{909E8E84-426E-40dd-AFC4-6F175D3DCCD1}">
-              <a14:hiddenFill xmlns:a14="http://schemas.microsoft.com/office/drawing/2010/main" xmlns="">
+              <a14:hiddenFill xmlns="" xmlns:a14="http://schemas.microsoft.com/office/drawing/2010/main">
                 <a:solidFill>
                   <a:srgbClr val="FFFFFF"/>
                 </a:solidFill>
               </a14:hiddenFill>
             </a:ext>
             <a:ext uri="{91240B29-F687-4f45-9708-019B960494DF}">
-              <a14:hiddenLine xmlns:a14="http://schemas.microsoft.com/office/drawing/2010/main" xmlns="" w="9525" algn="ctr">
+              <a14:hiddenLine xmlns="" xmlns:a14="http://schemas.microsoft.com/office/drawing/2010/main" w="9525" algn="ctr">
                 <a:solidFill>
                   <a:srgbClr val="000000"/>
                 </a:solidFill>
@@ -3307,14 +3306,14 @@
           <a:ln/>
           <a:extLst>
             <a:ext uri="{909E8E84-426E-40dd-AFC4-6F175D3DCCD1}">
-              <a14:hiddenFill xmlns:a14="http://schemas.microsoft.com/office/drawing/2010/main" xmlns="">
+              <a14:hiddenFill xmlns="" xmlns:a14="http://schemas.microsoft.com/office/drawing/2010/main">
                 <a:solidFill>
                   <a:srgbClr val="FFFFFF"/>
                 </a:solidFill>
               </a14:hiddenFill>
             </a:ext>
             <a:ext uri="{91240B29-F687-4f45-9708-019B960494DF}">
-              <a14:hiddenLine xmlns:a14="http://schemas.microsoft.com/office/drawing/2010/main" xmlns="" w="9525" algn="ctr">
+              <a14:hiddenLine xmlns="" xmlns:a14="http://schemas.microsoft.com/office/drawing/2010/main" w="9525" algn="ctr">
                 <a:solidFill>
                   <a:srgbClr val="000000"/>
                 </a:solidFill>
@@ -5329,14 +5328,14 @@
         <p:spPr>
           <a:extLst>
             <a:ext uri="{909E8E84-426E-40dd-AFC4-6F175D3DCCD1}">
-              <a14:hiddenFill xmlns:a14="http://schemas.microsoft.com/office/drawing/2010/main" xmlns="">
+              <a14:hiddenFill xmlns="" xmlns:a14="http://schemas.microsoft.com/office/drawing/2010/main">
                 <a:solidFill>
                   <a:srgbClr val="FFFFFF"/>
                 </a:solidFill>
               </a14:hiddenFill>
             </a:ext>
             <a:ext uri="{91240B29-F687-4f45-9708-019B960494DF}">
-              <a14:hiddenLine xmlns:a14="http://schemas.microsoft.com/office/drawing/2010/main" xmlns="" w="9525" algn="ctr">
+              <a14:hiddenLine xmlns="" xmlns:a14="http://schemas.microsoft.com/office/drawing/2010/main" w="9525" algn="ctr">
                 <a:solidFill>
                   <a:srgbClr val="000000"/>
                 </a:solidFill>
@@ -5479,14 +5478,14 @@
         <p:spPr>
           <a:extLst>
             <a:ext uri="{909E8E84-426E-40dd-AFC4-6F175D3DCCD1}">
-              <a14:hiddenFill xmlns:a14="http://schemas.microsoft.com/office/drawing/2010/main" xmlns="">
+              <a14:hiddenFill xmlns="" xmlns:a14="http://schemas.microsoft.com/office/drawing/2010/main">
                 <a:solidFill>
                   <a:srgbClr val="FFFFFF"/>
                 </a:solidFill>
               </a14:hiddenFill>
             </a:ext>
             <a:ext uri="{91240B29-F687-4f45-9708-019B960494DF}">
-              <a14:hiddenLine xmlns:a14="http://schemas.microsoft.com/office/drawing/2010/main" xmlns="" w="9525" algn="ctr">
+              <a14:hiddenLine xmlns="" xmlns:a14="http://schemas.microsoft.com/office/drawing/2010/main" w="9525" algn="ctr">
                 <a:solidFill>
                   <a:srgbClr val="000000"/>
                 </a:solidFill>
@@ -5636,14 +5635,14 @@
           </a:ln>
           <a:extLst>
             <a:ext uri="{909E8E84-426E-40dd-AFC4-6F175D3DCCD1}">
-              <a14:hiddenFill xmlns:a14="http://schemas.microsoft.com/office/drawing/2010/main" xmlns="">
+              <a14:hiddenFill xmlns="" xmlns:a14="http://schemas.microsoft.com/office/drawing/2010/main">
                 <a:solidFill>
                   <a:srgbClr val="FFFFFF"/>
                 </a:solidFill>
               </a14:hiddenFill>
             </a:ext>
             <a:ext uri="{91240B29-F687-4f45-9708-019B960494DF}">
-              <a14:hiddenLine xmlns:a14="http://schemas.microsoft.com/office/drawing/2010/main" xmlns="" w="9525" algn="ctr">
+              <a14:hiddenLine xmlns="" xmlns:a14="http://schemas.microsoft.com/office/drawing/2010/main" w="9525" algn="ctr">
                 <a:solidFill>
                   <a:srgbClr val="000000"/>
                 </a:solidFill>
@@ -5810,14 +5809,14 @@
           <a:ln/>
           <a:extLst>
             <a:ext uri="{909E8E84-426E-40dd-AFC4-6F175D3DCCD1}">
-              <a14:hiddenFill xmlns:a14="http://schemas.microsoft.com/office/drawing/2010/main" xmlns="">
+              <a14:hiddenFill xmlns="" xmlns:a14="http://schemas.microsoft.com/office/drawing/2010/main">
                 <a:solidFill>
                   <a:srgbClr val="FFFFFF"/>
                 </a:solidFill>
               </a14:hiddenFill>
             </a:ext>
             <a:ext uri="{91240B29-F687-4f45-9708-019B960494DF}">
-              <a14:hiddenLine xmlns:a14="http://schemas.microsoft.com/office/drawing/2010/main" xmlns="" w="9525" algn="ctr">
+              <a14:hiddenLine xmlns="" xmlns:a14="http://schemas.microsoft.com/office/drawing/2010/main" w="9525" algn="ctr">
                 <a:solidFill>
                   <a:srgbClr val="000000"/>
                 </a:solidFill>
@@ -5841,128 +5840,6 @@
     <p:extLst>
       <p:ext uri="{BB962C8B-B14F-4D97-AF65-F5344CB8AC3E}">
         <p14:creationId xmlns:p14="http://schemas.microsoft.com/office/powerpoint/2010/main" val="1611847932"/>
-      </p:ext>
-    </p:extLst>
-  </p:cSld>
-  <p:clrMapOvr>
-    <a:masterClrMapping/>
-  </p:clrMapOvr>
-</p:notes>
-</file>
-
-<file path=ppt/notesSlides/notesSlide36.xml><?xml version="1.0" encoding="utf-8"?>
-<p:notes xmlns:a="http://schemas.openxmlformats.org/drawingml/2006/main" xmlns:r="http://schemas.openxmlformats.org/officeDocument/2006/relationships" xmlns:p="http://schemas.openxmlformats.org/presentationml/2006/main">
-  <p:cSld>
-    <p:spTree>
-      <p:nvGrpSpPr>
-        <p:cNvPr id="1" name=""/>
-        <p:cNvGrpSpPr/>
-        <p:nvPr/>
-      </p:nvGrpSpPr>
-      <p:grpSpPr>
-        <a:xfrm>
-          <a:off x="0" y="0"/>
-          <a:ext cx="0" cy="0"/>
-          <a:chOff x="0" y="0"/>
-          <a:chExt cx="0" cy="0"/>
-        </a:xfrm>
-      </p:grpSpPr>
-      <p:sp>
-        <p:nvSpPr>
-          <p:cNvPr id="2" name="Slide Image Placeholder 1"/>
-          <p:cNvSpPr>
-            <a:spLocks noGrp="1" noRot="1" noChangeAspect="1"/>
-          </p:cNvSpPr>
-          <p:nvPr>
-            <p:ph type="sldImg"/>
-          </p:nvPr>
-        </p:nvSpPr>
-        <p:spPr/>
-      </p:sp>
-      <p:sp>
-        <p:nvSpPr>
-          <p:cNvPr id="3" name="Notes Placeholder 2"/>
-          <p:cNvSpPr>
-            <a:spLocks noGrp="1"/>
-          </p:cNvSpPr>
-          <p:nvPr>
-            <p:ph type="body" idx="1"/>
-          </p:nvPr>
-        </p:nvSpPr>
-        <p:spPr/>
-        <p:txBody>
-          <a:bodyPr/>
-          <a:lstStyle/>
-          <a:p>
-            <a:endParaRPr lang="en-US" dirty="0"/>
-          </a:p>
-        </p:txBody>
-      </p:sp>
-      <p:sp>
-        <p:nvSpPr>
-          <p:cNvPr id="4" name="Date Placeholder 3"/>
-          <p:cNvSpPr>
-            <a:spLocks noGrp="1"/>
-          </p:cNvSpPr>
-          <p:nvPr>
-            <p:ph type="dt" idx="10"/>
-          </p:nvPr>
-        </p:nvSpPr>
-        <p:spPr/>
-        <p:txBody>
-          <a:bodyPr/>
-          <a:lstStyle/>
-          <a:p>
-            <a:pPr>
-              <a:defRPr/>
-            </a:pPr>
-            <a:fld id="{064D793A-7954-4FFE-8018-BC472D7EAF38}" type="datetime1">
-              <a:rPr lang="ko-KR" altLang="en-US" smtClean="0"/>
-              <a:pPr>
-                <a:defRPr/>
-              </a:pPr>
-              <a:t>2019-11-01</a:t>
-            </a:fld>
-            <a:r>
-              <a:rPr lang="en-US" altLang="ko-KR"/>
-              <a:t>Aug 15, 2005</a:t>
-            </a:r>
-          </a:p>
-        </p:txBody>
-      </p:sp>
-      <p:sp>
-        <p:nvSpPr>
-          <p:cNvPr id="5" name="Slide Number Placeholder 4"/>
-          <p:cNvSpPr>
-            <a:spLocks noGrp="1"/>
-          </p:cNvSpPr>
-          <p:nvPr>
-            <p:ph type="sldNum" sz="quarter" idx="11"/>
-          </p:nvPr>
-        </p:nvSpPr>
-        <p:spPr/>
-        <p:txBody>
-          <a:bodyPr/>
-          <a:lstStyle/>
-          <a:p>
-            <a:pPr>
-              <a:defRPr/>
-            </a:pPr>
-            <a:fld id="{375ACC33-95BF-4473-A9D8-1A4FCADCE1C8}" type="slidenum">
-              <a:rPr lang="en-US" altLang="ko-KR" smtClean="0"/>
-              <a:pPr>
-                <a:defRPr/>
-              </a:pPr>
-              <a:t>36</a:t>
-            </a:fld>
-            <a:endParaRPr lang="en-US" altLang="ko-KR"/>
-          </a:p>
-        </p:txBody>
-      </p:sp>
-    </p:spTree>
-    <p:extLst>
-      <p:ext uri="{BB962C8B-B14F-4D97-AF65-F5344CB8AC3E}">
-        <p14:creationId xmlns:p14="http://schemas.microsoft.com/office/powerpoint/2010/main" val="283384086"/>
       </p:ext>
     </p:extLst>
   </p:cSld>
@@ -9217,6 +9094,13 @@
     <a:masterClrMapping/>
   </p:clrMapOvr>
   <p:transition spd="slow"/>
+  <p:timing>
+    <p:tnLst>
+      <p:par>
+        <p:cTn id="1" dur="indefinite" restart="never" nodeType="tmRoot"/>
+      </p:par>
+    </p:tnLst>
+  </p:timing>
 </p:sld>
 </file>
 
@@ -9264,7 +9148,6 @@
               <a:rPr lang="en-US" dirty="0"/>
               <a:t>Content Queries</a:t>
             </a:r>
-            <a:endParaRPr lang="en-US" dirty="0"/>
           </a:p>
         </p:txBody>
       </p:sp>
@@ -9484,15 +9367,7 @@
             </a:pPr>
             <a:r>
               <a:rPr lang="en-US" sz="1200" dirty="0"/>
-              <a:t>Question </a:t>
-            </a:r>
-            <a:r>
-              <a:rPr lang="en-US" sz="1200" dirty="0"/>
-              <a:t>2 (</a:t>
-            </a:r>
-            <a:r>
-              <a:rPr lang="en-US" sz="1200" dirty="0"/>
-              <a:t>transactions</a:t>
+              <a:t>Question 2 (transactions</a:t>
             </a:r>
           </a:p>
           <a:p>
@@ -9577,11 +9452,7 @@
             </a:r>
             <a:r>
               <a:rPr lang="en-US" sz="1200" dirty="0"/>
-              <a:t>: Do Question 4 and 5 still </a:t>
-            </a:r>
-            <a:r>
-              <a:rPr lang="en-US" sz="1200" dirty="0"/>
-              <a:t>work now that we have removed RE in the narrative</a:t>
+              <a:t>: Do Question 4 and 5 still work now that we have removed RE in the narrative</a:t>
             </a:r>
             <a:r>
               <a:rPr lang="en-US" sz="1200" dirty="0" smtClean="0"/>
@@ -11304,6 +11175,13 @@
     <a:masterClrMapping/>
   </p:clrMapOvr>
   <p:transition spd="slow"/>
+  <p:timing>
+    <p:tnLst>
+      <p:par>
+        <p:cTn id="1" dur="indefinite" restart="never" nodeType="tmRoot"/>
+      </p:par>
+    </p:tnLst>
+  </p:timing>
 </p:sld>
 </file>
 
@@ -11793,6 +11671,13 @@
     <a:masterClrMapping/>
   </p:clrMapOvr>
   <p:transition spd="slow"/>
+  <p:timing>
+    <p:tnLst>
+      <p:par>
+        <p:cTn id="1" dur="indefinite" restart="never" nodeType="tmRoot"/>
+      </p:par>
+    </p:tnLst>
+  </p:timing>
 </p:sld>
 </file>
 
@@ -11870,6 +11755,13 @@
     <a:masterClrMapping/>
   </p:clrMapOvr>
   <p:transition spd="slow"/>
+  <p:timing>
+    <p:tnLst>
+      <p:par>
+        <p:cTn id="1" dur="indefinite" restart="never" nodeType="tmRoot"/>
+      </p:par>
+    </p:tnLst>
+  </p:timing>
 </p:sld>
 </file>
 
@@ -11947,6 +11839,13 @@
     <a:masterClrMapping/>
   </p:clrMapOvr>
   <p:transition spd="slow"/>
+  <p:timing>
+    <p:tnLst>
+      <p:par>
+        <p:cTn id="1" dur="indefinite" restart="never" nodeType="tmRoot"/>
+      </p:par>
+    </p:tnLst>
+  </p:timing>
 </p:sld>
 </file>
 
@@ -12044,6 +11943,13 @@
     <a:masterClrMapping/>
   </p:clrMapOvr>
   <p:transition spd="slow"/>
+  <p:timing>
+    <p:tnLst>
+      <p:par>
+        <p:cTn id="1" dur="indefinite" restart="never" nodeType="tmRoot"/>
+      </p:par>
+    </p:tnLst>
+  </p:timing>
 </p:sld>
 </file>
 
@@ -12141,6 +12047,13 @@
     <a:masterClrMapping/>
   </p:clrMapOvr>
   <p:transition spd="slow"/>
+  <p:timing>
+    <p:tnLst>
+      <p:par>
+        <p:cTn id="1" dur="indefinite" restart="never" nodeType="tmRoot"/>
+      </p:par>
+    </p:tnLst>
+  </p:timing>
 </p:sld>
 </file>
 
@@ -12238,6 +12151,13 @@
     <a:masterClrMapping/>
   </p:clrMapOvr>
   <p:transition spd="slow"/>
+  <p:timing>
+    <p:tnLst>
+      <p:par>
+        <p:cTn id="1" dur="indefinite" restart="never" nodeType="tmRoot"/>
+      </p:par>
+    </p:tnLst>
+  </p:timing>
 </p:sld>
 </file>
 
@@ -12380,6 +12300,13 @@
     <a:masterClrMapping/>
   </p:clrMapOvr>
   <p:transition spd="slow"/>
+  <p:timing>
+    <p:tnLst>
+      <p:par>
+        <p:cTn id="1" dur="indefinite" restart="never" nodeType="tmRoot"/>
+      </p:par>
+    </p:tnLst>
+  </p:timing>
 </p:sld>
 </file>
 
@@ -12484,6 +12411,13 @@
     <a:masterClrMapping/>
   </p:clrMapOvr>
   <p:transition spd="slow"/>
+  <p:timing>
+    <p:tnLst>
+      <p:par>
+        <p:cTn id="1" dur="indefinite" restart="never" nodeType="tmRoot"/>
+      </p:par>
+    </p:tnLst>
+  </p:timing>
 </p:sld>
 </file>
 
@@ -12587,6 +12521,13 @@
     <a:masterClrMapping/>
   </p:clrMapOvr>
   <p:transition spd="slow"/>
+  <p:timing>
+    <p:tnLst>
+      <p:par>
+        <p:cTn id="1" dur="indefinite" restart="never" nodeType="tmRoot"/>
+      </p:par>
+    </p:tnLst>
+  </p:timing>
 </p:sld>
 </file>
 
@@ -12690,6 +12631,13 @@
     <a:masterClrMapping/>
   </p:clrMapOvr>
   <p:transition spd="slow"/>
+  <p:timing>
+    <p:tnLst>
+      <p:par>
+        <p:cTn id="1" dur="indefinite" restart="never" nodeType="tmRoot"/>
+      </p:par>
+    </p:tnLst>
+  </p:timing>
 </p:sld>
 </file>
 
@@ -12793,6 +12741,13 @@
     <a:masterClrMapping/>
   </p:clrMapOvr>
   <p:transition spd="slow"/>
+  <p:timing>
+    <p:tnLst>
+      <p:par>
+        <p:cTn id="1" dur="indefinite" restart="never" nodeType="tmRoot"/>
+      </p:par>
+    </p:tnLst>
+  </p:timing>
 </p:sld>
 </file>
 
@@ -12896,6 +12851,13 @@
     <a:masterClrMapping/>
   </p:clrMapOvr>
   <p:transition spd="slow"/>
+  <p:timing>
+    <p:tnLst>
+      <p:par>
+        <p:cTn id="1" dur="indefinite" restart="never" nodeType="tmRoot"/>
+      </p:par>
+    </p:tnLst>
+  </p:timing>
 </p:sld>
 </file>
 
@@ -13051,6 +13013,13 @@
     <a:masterClrMapping/>
   </p:clrMapOvr>
   <p:transition spd="slow"/>
+  <p:timing>
+    <p:tnLst>
+      <p:par>
+        <p:cTn id="1" dur="indefinite" restart="never" nodeType="tmRoot"/>
+      </p:par>
+    </p:tnLst>
+  </p:timing>
 </p:sld>
 </file>
 
@@ -13154,6 +13123,13 @@
     <a:masterClrMapping/>
   </p:clrMapOvr>
   <p:transition spd="slow"/>
+  <p:timing>
+    <p:tnLst>
+      <p:par>
+        <p:cTn id="1" dur="indefinite" restart="never" nodeType="tmRoot"/>
+      </p:par>
+    </p:tnLst>
+  </p:timing>
 </p:sld>
 </file>
 
@@ -13309,6 +13285,13 @@
     <a:masterClrMapping/>
   </p:clrMapOvr>
   <p:transition spd="slow"/>
+  <p:timing>
+    <p:tnLst>
+      <p:par>
+        <p:cTn id="1" dur="indefinite" restart="never" nodeType="tmRoot"/>
+      </p:par>
+    </p:tnLst>
+  </p:timing>
 </p:sld>
 </file>
 
@@ -13464,6 +13447,13 @@
     <a:masterClrMapping/>
   </p:clrMapOvr>
   <p:transition spd="slow"/>
+  <p:timing>
+    <p:tnLst>
+      <p:par>
+        <p:cTn id="1" dur="indefinite" restart="never" nodeType="tmRoot"/>
+      </p:par>
+    </p:tnLst>
+  </p:timing>
 </p:sld>
 </file>
 
@@ -13603,6 +13593,13 @@
     <a:masterClrMapping/>
   </p:clrMapOvr>
   <p:transition spd="slow"/>
+  <p:timing>
+    <p:tnLst>
+      <p:par>
+        <p:cTn id="1" dur="indefinite" restart="never" nodeType="tmRoot"/>
+      </p:par>
+    </p:tnLst>
+  </p:timing>
 </p:sld>
 </file>
 
@@ -13686,6 +13683,13 @@
     <a:masterClrMapping/>
   </p:clrMapOvr>
   <p:transition spd="slow"/>
+  <p:timing>
+    <p:tnLst>
+      <p:par>
+        <p:cTn id="1" dur="indefinite" restart="never" nodeType="tmRoot"/>
+      </p:par>
+    </p:tnLst>
+  </p:timing>
 </p:sld>
 </file>
 
@@ -13790,6 +13794,13 @@
     <a:masterClrMapping/>
   </p:clrMapOvr>
   <p:transition spd="slow"/>
+  <p:timing>
+    <p:tnLst>
+      <p:par>
+        <p:cTn id="1" dur="indefinite" restart="never" nodeType="tmRoot"/>
+      </p:par>
+    </p:tnLst>
+  </p:timing>
 </p:sld>
 </file>
 
@@ -13869,6 +13880,13 @@
     <a:masterClrMapping/>
   </p:clrMapOvr>
   <p:transition spd="slow"/>
+  <p:timing>
+    <p:tnLst>
+      <p:par>
+        <p:cTn id="1" dur="indefinite" restart="never" nodeType="tmRoot"/>
+      </p:par>
+    </p:tnLst>
+  </p:timing>
 </p:sld>
 </file>
 
@@ -13960,6 +13978,13 @@
     <a:masterClrMapping/>
   </p:clrMapOvr>
   <p:transition spd="slow"/>
+  <p:timing>
+    <p:tnLst>
+      <p:par>
+        <p:cTn id="1" dur="indefinite" restart="never" nodeType="tmRoot"/>
+      </p:par>
+    </p:tnLst>
+  </p:timing>
 </p:sld>
 </file>
 
@@ -14069,6 +14094,13 @@
     <a:masterClrMapping/>
   </p:clrMapOvr>
   <p:transition spd="slow"/>
+  <p:timing>
+    <p:tnLst>
+      <p:par>
+        <p:cTn id="1" dur="indefinite" restart="never" nodeType="tmRoot"/>
+      </p:par>
+    </p:tnLst>
+  </p:timing>
 </p:sld>
 </file>
 
@@ -14172,6 +14204,13 @@
     <a:masterClrMapping/>
   </p:clrMapOvr>
   <p:transition spd="slow"/>
+  <p:timing>
+    <p:tnLst>
+      <p:par>
+        <p:cTn id="1" dur="indefinite" restart="never" nodeType="tmRoot"/>
+      </p:par>
+    </p:tnLst>
+  </p:timing>
 </p:sld>
 </file>
 
@@ -14244,122 +14283,13 @@
     <a:masterClrMapping/>
   </p:clrMapOvr>
   <p:transition spd="slow"/>
-</p:sld>
-</file>
-
-<file path=ppt/slides/slide36.xml><?xml version="1.0" encoding="utf-8"?>
-<p:sld xmlns:a="http://schemas.openxmlformats.org/drawingml/2006/main" xmlns:r="http://schemas.openxmlformats.org/officeDocument/2006/relationships" xmlns:p="http://schemas.openxmlformats.org/presentationml/2006/main">
-  <p:cSld>
-    <p:spTree>
-      <p:nvGrpSpPr>
-        <p:cNvPr id="1" name=""/>
-        <p:cNvGrpSpPr/>
-        <p:nvPr/>
-      </p:nvGrpSpPr>
-      <p:grpSpPr>
-        <a:xfrm>
-          <a:off x="0" y="0"/>
-          <a:ext cx="0" cy="0"/>
-          <a:chOff x="0" y="0"/>
-          <a:chExt cx="0" cy="0"/>
-        </a:xfrm>
-      </p:grpSpPr>
-      <p:sp>
-        <p:nvSpPr>
-          <p:cNvPr id="11" name="Title 10"/>
-          <p:cNvSpPr>
-            <a:spLocks noGrp="1"/>
-          </p:cNvSpPr>
-          <p:nvPr>
-            <p:ph type="title"/>
-          </p:nvPr>
-        </p:nvSpPr>
-        <p:spPr/>
-        <p:txBody>
-          <a:bodyPr/>
-          <a:lstStyle/>
-          <a:p>
-            <a:pPr>
-              <a:spcBef>
-                <a:spcPts val="300"/>
-              </a:spcBef>
-              <a:spcAft>
-                <a:spcPts val="600"/>
-              </a:spcAft>
-            </a:pPr>
-            <a:r>
-              <a:rPr lang="en-US" dirty="0"/>
-              <a:t>Option 2a: Questions as sections</a:t>
-            </a:r>
-          </a:p>
-        </p:txBody>
-      </p:sp>
-      <p:sp>
-        <p:nvSpPr>
-          <p:cNvPr id="4" name="Content Placeholder 3">
-            <a:extLst>
-              <a:ext uri="{FF2B5EF4-FFF2-40B4-BE49-F238E27FC236}">
-                <a16:creationId xmlns:a16="http://schemas.microsoft.com/office/drawing/2014/main" id="{5B4CB32E-5766-4CFD-94E9-42CC47C514E4}"/>
-              </a:ext>
-            </a:extLst>
-          </p:cNvPr>
-          <p:cNvSpPr>
-            <a:spLocks noGrp="1"/>
-          </p:cNvSpPr>
-          <p:nvPr>
-            <p:ph idx="1"/>
-          </p:nvPr>
-        </p:nvSpPr>
-        <p:spPr/>
-        <p:txBody>
-          <a:bodyPr/>
-          <a:lstStyle/>
-          <a:p>
-            <a:endParaRPr lang="en-US" dirty="0"/>
-          </a:p>
-        </p:txBody>
-      </p:sp>
-      <p:pic>
-        <p:nvPicPr>
-          <p:cNvPr id="5" name="Picture 4">
-            <a:extLst>
-              <a:ext uri="{FF2B5EF4-FFF2-40B4-BE49-F238E27FC236}">
-                <a16:creationId xmlns:a16="http://schemas.microsoft.com/office/drawing/2014/main" id="{B983918A-BFEA-4A57-A05E-F270CDBC74A0}"/>
-              </a:ext>
-            </a:extLst>
-          </p:cNvPr>
-          <p:cNvPicPr>
-            <a:picLocks noChangeAspect="1"/>
-          </p:cNvPicPr>
-          <p:nvPr/>
-        </p:nvPicPr>
-        <p:blipFill>
-          <a:blip r:embed="rId3"/>
-          <a:stretch>
-            <a:fillRect/>
-          </a:stretch>
-        </p:blipFill>
-        <p:spPr>
-          <a:xfrm>
-            <a:off x="413424" y="915814"/>
-            <a:ext cx="8408843" cy="5215887"/>
-          </a:xfrm>
-          <a:prstGeom prst="rect">
-            <a:avLst/>
-          </a:prstGeom>
-        </p:spPr>
-      </p:pic>
-    </p:spTree>
-    <p:extLst>
-      <p:ext uri="{BB962C8B-B14F-4D97-AF65-F5344CB8AC3E}">
-        <p14:creationId xmlns:p14="http://schemas.microsoft.com/office/powerpoint/2010/main" val="302376203"/>
-      </p:ext>
-    </p:extLst>
-  </p:cSld>
-  <p:clrMapOvr>
-    <a:masterClrMapping/>
-  </p:clrMapOvr>
-  <p:transition spd="slow"/>
+  <p:timing>
+    <p:tnLst>
+      <p:par>
+        <p:cTn id="1" dur="indefinite" restart="never" nodeType="tmRoot"/>
+      </p:par>
+    </p:tnLst>
+  </p:timing>
 </p:sld>
 </file>
 
@@ -14662,6 +14592,13 @@
     <a:masterClrMapping/>
   </p:clrMapOvr>
   <p:transition spd="slow"/>
+  <p:timing>
+    <p:tnLst>
+      <p:par>
+        <p:cTn id="1" dur="indefinite" restart="never" nodeType="tmRoot"/>
+      </p:par>
+    </p:tnLst>
+  </p:timing>
 </p:sld>
 </file>
 
@@ -14779,15 +14716,7 @@
             </a:r>
             <a:r>
               <a:rPr lang="en-US" sz="1200" dirty="0" smtClean="0"/>
-              <a:t>) (Chris to </a:t>
-            </a:r>
-            <a:r>
-              <a:rPr lang="en-US" sz="1200" smtClean="0"/>
-              <a:t>confir</a:t>
-            </a:r>
-            <a:r>
-              <a:rPr lang="en-US" sz="1200" smtClean="0"/>
-              <a:t>m values)</a:t>
+              <a:t>) (Chris to confirm values)</a:t>
             </a:r>
             <a:endParaRPr lang="en-US" sz="1200" dirty="0"/>
           </a:p>
@@ -15056,6 +14985,13 @@
     <a:masterClrMapping/>
   </p:clrMapOvr>
   <p:transition spd="slow"/>
+  <p:timing>
+    <p:tnLst>
+      <p:par>
+        <p:cTn id="1" dur="indefinite" restart="never" nodeType="tmRoot"/>
+      </p:par>
+    </p:tnLst>
+  </p:timing>
 </p:sld>
 </file>
 
@@ -15153,11 +15089,7 @@
             </a:r>
             <a:r>
               <a:rPr lang="en-US" sz="1400" dirty="0"/>
-              <a:t>2 (Net Income</a:t>
-            </a:r>
-            <a:r>
-              <a:rPr lang="en-US" sz="1400" dirty="0"/>
-              <a:t>) – </a:t>
+              <a:t>2 (Net Income) – </a:t>
             </a:r>
             <a:r>
               <a:rPr lang="en-US" sz="1400" dirty="0">
@@ -15193,11 +15125,7 @@
             </a:pPr>
             <a:r>
               <a:rPr lang="en-US" sz="1400" dirty="0"/>
-              <a:t>Chapter 1&gt; Section 1.1&gt; Question </a:t>
-            </a:r>
-            <a:r>
-              <a:rPr lang="en-US" sz="1400" dirty="0"/>
-              <a:t>3 (P &amp; L chart) </a:t>
+              <a:t>Chapter 1&gt; Section 1.1&gt; Question 3 (P &amp; L chart) </a:t>
             </a:r>
             <a:r>
               <a:rPr lang="en-US" sz="1400" dirty="0" smtClean="0"/>
@@ -15211,11 +15139,6 @@
               </a:rPr>
               <a:t>Chart Assessment</a:t>
             </a:r>
-            <a:endParaRPr lang="en-US" sz="1400" dirty="0">
-              <a:solidFill>
-                <a:schemeClr val="accent5"/>
-              </a:solidFill>
-            </a:endParaRPr>
           </a:p>
           <a:p>
             <a:pPr lvl="1">
@@ -15230,19 +15153,11 @@
             </a:pPr>
             <a:r>
               <a:rPr lang="en-US" sz="1400" dirty="0"/>
-              <a:t>Chapter 1&gt; Section 1.1&gt; Question </a:t>
-            </a:r>
-            <a:r>
-              <a:rPr lang="en-US" sz="1400" dirty="0"/>
-              <a:t>5 (Business </a:t>
+              <a:t>Chapter 1&gt; Section 1.1&gt; Question 5 (Business </a:t>
             </a:r>
             <a:r>
               <a:rPr lang="en-US" sz="1400" dirty="0" smtClean="0"/>
-              <a:t>Type</a:t>
-            </a:r>
-            <a:r>
-              <a:rPr lang="en-US" sz="1400" dirty="0" smtClean="0"/>
-              <a:t>) – </a:t>
+              <a:t>Type) – </a:t>
             </a:r>
             <a:r>
               <a:rPr lang="en-US" sz="1400" dirty="0" smtClean="0">
@@ -15536,6 +15451,13 @@
     <a:masterClrMapping/>
   </p:clrMapOvr>
   <p:transition spd="slow"/>
+  <p:timing>
+    <p:tnLst>
+      <p:par>
+        <p:cTn id="1" dur="indefinite" restart="never" nodeType="tmRoot"/>
+      </p:par>
+    </p:tnLst>
+  </p:timing>
 </p:sld>
 </file>
 
@@ -15620,6 +15542,13 @@
     <a:masterClrMapping/>
   </p:clrMapOvr>
   <p:transition spd="slow"/>
+  <p:timing>
+    <p:tnLst>
+      <p:par>
+        <p:cTn id="1" dur="indefinite" restart="never" nodeType="tmRoot"/>
+      </p:par>
+    </p:tnLst>
+  </p:timing>
 </p:sld>
 </file>
 
@@ -15702,23 +15631,7 @@
             </a:pPr>
             <a:r>
               <a:rPr lang="en-US" sz="1400" dirty="0"/>
-              <a:t>Chapter 1 &gt; Section </a:t>
-            </a:r>
-            <a:r>
-              <a:rPr lang="en-US" sz="1400" dirty="0"/>
-              <a:t>1.1 </a:t>
-            </a:r>
-            <a:r>
-              <a:rPr lang="en-US" sz="1400" dirty="0"/>
-              <a:t>&gt; Question </a:t>
-            </a:r>
-            <a:r>
-              <a:rPr lang="en-US" sz="1400" dirty="0"/>
-              <a:t>2 (Net Income</a:t>
-            </a:r>
-            <a:r>
-              <a:rPr lang="en-US" sz="1400" dirty="0"/>
-              <a:t>) (</a:t>
+              <a:t>Chapter 1 &gt; Section 1.1 &gt; Question 2 (Net Income) (</a:t>
             </a:r>
             <a:r>
               <a:rPr lang="en-US" sz="1400" dirty="0">
@@ -15801,15 +15714,7 @@
                   <a:srgbClr val="00505C"/>
                 </a:solidFill>
               </a:rPr>
-              <a:t>Chapter </a:t>
-            </a:r>
-            <a:r>
-              <a:rPr lang="en-US" sz="1400" dirty="0">
-                <a:solidFill>
-                  <a:srgbClr val="00505C"/>
-                </a:solidFill>
-              </a:rPr>
-              <a:t>1&gt; Section 1.1&gt; Question 3 (P &amp; L chart) – </a:t>
+              <a:t>Chapter 1&gt; Section 1.1&gt; Question 3 (P &amp; L chart) – </a:t>
             </a:r>
             <a:r>
               <a:rPr lang="en-US" sz="1400" dirty="0">
